--- a/프로토타입 4-1(윤다인, 배예진).pptx
+++ b/프로토타입 4-1(윤다인, 배예진).pptx
@@ -33480,7 +33480,7 @@
                   <a:schemeClr val="tx1"/>
                 </a:solidFill>
               </a:rPr>
-              <a:t>1) </a:t>
+              <a:t>1)  </a:t>
             </a:r>
             <a:r>
               <a:rPr lang="ko-KR" altLang="en-US" sz="2000" dirty="0">
@@ -33488,7 +33488,7 @@
                   <a:schemeClr val="tx1"/>
                 </a:solidFill>
               </a:rPr>
-              <a:t>개발하는 부분과 기존 </a:t>
+              <a:t>실제 측정된 정보를 볼 수 없음</a:t>
             </a:r>
             <a:r>
               <a:rPr lang="en-US" altLang="ko-KR" sz="2000" dirty="0">
@@ -33496,15 +33496,7 @@
                   <a:schemeClr val="tx1"/>
                 </a:solidFill>
               </a:rPr>
-              <a:t>API</a:t>
-            </a:r>
-            <a:r>
-              <a:rPr lang="ko-KR" altLang="en-US" sz="2000" dirty="0">
-                <a:solidFill>
-                  <a:schemeClr val="tx1"/>
-                </a:solidFill>
-              </a:rPr>
-              <a:t>를 구분</a:t>
+              <a:t>.</a:t>
             </a:r>
             <a:endParaRPr lang="en-US" altLang="ko-KR" sz="2000" dirty="0">
               <a:solidFill>
@@ -33528,7 +33520,7 @@
                   <a:schemeClr val="tx1"/>
                 </a:solidFill>
               </a:rPr>
-              <a:t>   2) UML</a:t>
+              <a:t>   2)  UI</a:t>
             </a:r>
             <a:r>
               <a:rPr lang="ko-KR" altLang="en-US" sz="2000" dirty="0">
@@ -33536,87 +33528,8 @@
                   <a:schemeClr val="tx1"/>
                 </a:solidFill>
               </a:rPr>
-              <a:t>관계를 표시</a:t>
-            </a:r>
-            <a:endParaRPr lang="en-US" altLang="ko-KR" sz="2000" dirty="0">
-              <a:solidFill>
-                <a:schemeClr val="tx1"/>
-              </a:solidFill>
-            </a:endParaRPr>
-          </a:p>
-          <a:p>
-            <a:pPr>
-              <a:lnSpc>
-                <a:spcPct val="150000"/>
-              </a:lnSpc>
-            </a:pPr>
-            <a:r>
-              <a:rPr lang="en-US" altLang="ko-KR" sz="2000" dirty="0">
-                <a:solidFill>
-                  <a:schemeClr val="tx1"/>
-                </a:solidFill>
-              </a:rPr>
-              <a:t>   3) </a:t>
-            </a:r>
-            <a:r>
-              <a:rPr lang="ko-KR" altLang="en-US" sz="2000" dirty="0">
-                <a:solidFill>
-                  <a:schemeClr val="tx1"/>
-                </a:solidFill>
-              </a:rPr>
-              <a:t>모듈 설명과 </a:t>
-            </a:r>
-            <a:r>
-              <a:rPr lang="en-US" altLang="ko-KR" sz="2000" dirty="0">
-                <a:solidFill>
-                  <a:schemeClr val="tx1"/>
-                </a:solidFill>
-              </a:rPr>
-              <a:t>class</a:t>
-            </a:r>
-            <a:r>
-              <a:rPr lang="ko-KR" altLang="en-US" sz="2000" dirty="0">
-                <a:solidFill>
-                  <a:schemeClr val="tx1"/>
-                </a:solidFill>
-              </a:rPr>
-              <a:t>정보가 매치되지 않음</a:t>
-            </a:r>
-            <a:endParaRPr lang="en-US" altLang="ko-KR" sz="2000" dirty="0">
-              <a:solidFill>
-                <a:schemeClr val="tx1"/>
-              </a:solidFill>
-            </a:endParaRPr>
-          </a:p>
-          <a:p>
-            <a:pPr>
-              <a:lnSpc>
-                <a:spcPct val="150000"/>
-              </a:lnSpc>
-            </a:pPr>
-            <a:r>
-              <a:rPr lang="en-US" altLang="ko-KR" sz="2000" dirty="0">
-                <a:solidFill>
-                  <a:schemeClr val="tx1"/>
-                </a:solidFill>
-              </a:rPr>
-              <a:t>   4) </a:t>
-            </a:r>
-            <a:r>
-              <a:rPr lang="ko-KR" altLang="en-US" sz="2000" dirty="0">
-                <a:solidFill>
-                  <a:schemeClr val="tx1"/>
-                </a:solidFill>
-              </a:rPr>
-              <a:t>구체적인 설계 내용이 필요</a:t>
-            </a:r>
-            <a:endParaRPr lang="en-US" altLang="ko-KR" sz="2000" dirty="0">
-              <a:solidFill>
-                <a:schemeClr val="tx1"/>
-              </a:solidFill>
-            </a:endParaRPr>
-          </a:p>
-          <a:p>
+              <a:t>에 신경 쓸 것</a:t>
+            </a:r>
             <a:endParaRPr lang="en-US" altLang="ko-KR" sz="2000" dirty="0">
               <a:solidFill>
                 <a:schemeClr val="tx1"/>
@@ -33719,7 +33632,7 @@
                   <a:schemeClr val="tx1"/>
                 </a:solidFill>
               </a:rPr>
-              <a:t>1) </a:t>
+              <a:t>1)  </a:t>
             </a:r>
             <a:r>
               <a:rPr lang="ko-KR" altLang="en-US" sz="2000" dirty="0">
@@ -33727,39 +33640,7 @@
                   <a:schemeClr val="tx1"/>
                 </a:solidFill>
               </a:rPr>
-              <a:t>개발하는 </a:t>
-            </a:r>
-            <a:r>
-              <a:rPr lang="en-US" altLang="ko-KR" sz="2000" dirty="0">
-                <a:solidFill>
-                  <a:schemeClr val="tx1"/>
-                </a:solidFill>
-              </a:rPr>
-              <a:t>API</a:t>
-            </a:r>
-            <a:r>
-              <a:rPr lang="ko-KR" altLang="en-US" sz="2000" dirty="0">
-                <a:solidFill>
-                  <a:schemeClr val="tx1"/>
-                </a:solidFill>
-              </a:rPr>
-              <a:t>와 외부 </a:t>
-            </a:r>
-            <a:r>
-              <a:rPr lang="en-US" altLang="ko-KR" sz="2000" dirty="0">
-                <a:solidFill>
-                  <a:schemeClr val="tx1"/>
-                </a:solidFill>
-              </a:rPr>
-              <a:t>API</a:t>
-            </a:r>
-            <a:r>
-              <a:rPr lang="ko-KR" altLang="en-US" sz="2000" dirty="0">
-                <a:solidFill>
-                  <a:schemeClr val="tx1"/>
-                </a:solidFill>
-              </a:rPr>
-              <a:t>를 구분하여 정렬하였습니다</a:t>
+              <a:t>블루투스 통신을 통해 심박수 정보를 받아오도록 하였습니다</a:t>
             </a:r>
             <a:r>
               <a:rPr lang="en-US" altLang="ko-KR" sz="2000" dirty="0">
@@ -33782,7 +33663,7 @@
                   <a:schemeClr val="tx1"/>
                 </a:solidFill>
               </a:rPr>
-              <a:t>   2) UML</a:t>
+              <a:t>   2)UI</a:t>
             </a:r>
             <a:r>
               <a:rPr lang="ko-KR" altLang="en-US" sz="2000" dirty="0">
@@ -33790,105 +33671,7 @@
                   <a:schemeClr val="tx1"/>
                 </a:solidFill>
               </a:rPr>
-              <a:t>을 재정리 하였습니다</a:t>
-            </a:r>
-            <a:r>
-              <a:rPr lang="en-US" altLang="ko-KR" sz="2000" dirty="0">
-                <a:solidFill>
-                  <a:schemeClr val="tx1"/>
-                </a:solidFill>
-              </a:rPr>
-              <a:t>.(28p)</a:t>
-            </a:r>
-          </a:p>
-          <a:p>
-            <a:pPr>
-              <a:lnSpc>
-                <a:spcPct val="150000"/>
-              </a:lnSpc>
-            </a:pPr>
-            <a:r>
-              <a:rPr lang="en-US" altLang="ko-KR" sz="2000" dirty="0">
-                <a:solidFill>
-                  <a:schemeClr val="tx1"/>
-                </a:solidFill>
-                <a:latin typeface="Arial"/>
-                <a:ea typeface="Arial"/>
-                <a:cs typeface="Arial"/>
-                <a:sym typeface="Arial"/>
-              </a:rPr>
-              <a:t>   3) </a:t>
-            </a:r>
-            <a:r>
-              <a:rPr lang="ko-KR" altLang="en-US" sz="2000" dirty="0">
-                <a:solidFill>
-                  <a:schemeClr val="tx1"/>
-                </a:solidFill>
-                <a:latin typeface="Arial"/>
-                <a:ea typeface="Arial"/>
-                <a:cs typeface="Arial"/>
-                <a:sym typeface="Arial"/>
-              </a:rPr>
-              <a:t>모듈의 설명과 </a:t>
-            </a:r>
-            <a:r>
-              <a:rPr lang="en-US" altLang="ko-KR" sz="2000" dirty="0">
-                <a:solidFill>
-                  <a:schemeClr val="tx1"/>
-                </a:solidFill>
-                <a:latin typeface="Arial"/>
-                <a:ea typeface="Arial"/>
-                <a:cs typeface="Arial"/>
-                <a:sym typeface="Arial"/>
-              </a:rPr>
-              <a:t>class</a:t>
-            </a:r>
-            <a:r>
-              <a:rPr lang="ko-KR" altLang="en-US" sz="2000" dirty="0">
-                <a:solidFill>
-                  <a:schemeClr val="tx1"/>
-                </a:solidFill>
-                <a:latin typeface="Arial"/>
-                <a:ea typeface="Arial"/>
-                <a:cs typeface="Arial"/>
-                <a:sym typeface="Arial"/>
-              </a:rPr>
-              <a:t>정보를 매치하였습니다</a:t>
-            </a:r>
-            <a:r>
-              <a:rPr lang="en-US" altLang="ko-KR" sz="2000" dirty="0">
-                <a:solidFill>
-                  <a:schemeClr val="tx1"/>
-                </a:solidFill>
-                <a:latin typeface="Arial"/>
-                <a:ea typeface="Arial"/>
-                <a:cs typeface="Arial"/>
-                <a:sym typeface="Arial"/>
-              </a:rPr>
-              <a:t>.</a:t>
-            </a:r>
-          </a:p>
-          <a:p>
-            <a:pPr>
-              <a:lnSpc>
-                <a:spcPct val="150000"/>
-              </a:lnSpc>
-            </a:pPr>
-            <a:r>
-              <a:rPr lang="en-US" altLang="ko-KR" sz="2000" dirty="0">
-                <a:solidFill>
-                  <a:schemeClr val="tx1"/>
-                </a:solidFill>
-              </a:rPr>
-              <a:t>   4) </a:t>
-            </a:r>
-            <a:r>
-              <a:rPr lang="ko-KR" altLang="en-US" sz="2000" dirty="0">
-                <a:solidFill>
-                  <a:schemeClr val="tx1"/>
-                </a:solidFill>
-              </a:rPr>
-              <a:t>전체적인 설계 내용을 보완하였습니다</a:t>
+              <a:t>를 수정하였습니다</a:t>
             </a:r>
             <a:r>
               <a:rPr lang="en-US" altLang="ko-KR" sz="2000" dirty="0">
@@ -34229,7 +34012,7 @@
         </p:nvSpPr>
         <p:spPr>
           <a:xfrm>
-            <a:off x="696474" y="2996180"/>
+            <a:off x="696474" y="3315613"/>
             <a:ext cx="2350323" cy="523220"/>
           </a:xfrm>
           <a:prstGeom prst="rect">
@@ -34308,7 +34091,7 @@
         <p:spPr>
           <a:xfrm>
             <a:off x="996043" y="1576304"/>
-            <a:ext cx="5666014" cy="1419876"/>
+            <a:ext cx="5666014" cy="1881990"/>
           </a:xfrm>
           <a:prstGeom prst="rect">
             <a:avLst/>
@@ -34332,8 +34115,9 @@
             </a:r>
             <a:r>
               <a:rPr lang="ko-KR" altLang="en-US" sz="2000" dirty="0"/>
-              <a:t>의약품 정보제공</a:t>
-            </a:r>
+              <a:t>심박수 정보 </a:t>
+            </a:r>
+            <a:endParaRPr lang="en-US" altLang="ko-KR" sz="2000" dirty="0"/>
           </a:p>
           <a:p>
             <a:pPr>
@@ -34347,19 +34131,7 @@
             </a:r>
             <a:r>
               <a:rPr lang="ko-KR" altLang="en-US" sz="2000" dirty="0"/>
-              <a:t>카카오 맵 </a:t>
-            </a:r>
-            <a:r>
-              <a:rPr lang="en-US" altLang="ko-KR" sz="2000" dirty="0" err="1"/>
-              <a:t>api</a:t>
-            </a:r>
-            <a:r>
-              <a:rPr lang="ko-KR" altLang="en-US" sz="2000" dirty="0" err="1"/>
-              <a:t>를</a:t>
-            </a:r>
-            <a:r>
-              <a:rPr lang="ko-KR" altLang="en-US" sz="2000" dirty="0"/>
-              <a:t> 이용한 지도 </a:t>
+              <a:t>병원 약국 위치 제공</a:t>
             </a:r>
             <a:endParaRPr lang="en-US" altLang="ko-KR" sz="2000" dirty="0"/>
           </a:p>
@@ -34375,16 +34147,17 @@
             </a:r>
             <a:r>
               <a:rPr lang="ko-KR" altLang="en-US" sz="2000" dirty="0"/>
-              <a:t>병원</a:t>
-            </a:r>
-            <a:r>
-              <a:rPr lang="en-US" altLang="ko-KR" sz="2000" dirty="0"/>
-              <a:t>,</a:t>
-            </a:r>
-            <a:r>
-              <a:rPr lang="ko-KR" altLang="en-US" sz="2000" dirty="0"/>
-              <a:t>약국 위치 정보</a:t>
-            </a:r>
+              <a:t>의약품 정보</a:t>
+            </a:r>
+            <a:endParaRPr lang="en-US" altLang="ko-KR" sz="2000" dirty="0"/>
+          </a:p>
+          <a:p>
+            <a:pPr>
+              <a:lnSpc>
+                <a:spcPct val="150000"/>
+              </a:lnSpc>
+            </a:pPr>
+            <a:endParaRPr lang="en-US" altLang="ko-KR" sz="2000" dirty="0"/>
           </a:p>
         </p:txBody>
       </p:sp>
@@ -34417,10 +34190,9 @@
           <a:lstStyle/>
           <a:p>
             <a:r>
-              <a:rPr lang="en-US" altLang="ko-KR" sz="2000" dirty="0"/>
-              <a:t>X</a:t>
-            </a:r>
-            <a:endParaRPr lang="ko-KR" altLang="en-US" sz="2000" dirty="0"/>
+              <a:rPr lang="ko-KR" altLang="en-US" sz="2000" dirty="0"/>
+              <a:t>수면패턴</a:t>
+            </a:r>
           </a:p>
         </p:txBody>
       </p:sp>
@@ -34438,8 +34210,8 @@
         </p:nvSpPr>
         <p:spPr>
           <a:xfrm>
-            <a:off x="1110343" y="3519400"/>
-            <a:ext cx="5666014" cy="1419876"/>
+            <a:off x="996043" y="3773412"/>
+            <a:ext cx="5666014" cy="496546"/>
           </a:xfrm>
           <a:prstGeom prst="rect">
             <a:avLst/>
@@ -34467,31 +34239,6 @@
               <a:t> 미세먼지 농도 정보</a:t>
             </a:r>
             <a:endParaRPr lang="en-US" altLang="ko-KR" sz="2000" dirty="0"/>
-          </a:p>
-          <a:p>
-            <a:pPr marL="342900" indent="-342900">
-              <a:lnSpc>
-                <a:spcPct val="150000"/>
-              </a:lnSpc>
-              <a:buAutoNum type="arabicParenR"/>
-            </a:pPr>
-            <a:r>
-              <a:rPr lang="ko-KR" altLang="en-US" sz="2000" dirty="0"/>
-              <a:t>수면 패턴 분석</a:t>
-            </a:r>
-            <a:endParaRPr lang="en-US" altLang="ko-KR" sz="2000" dirty="0"/>
-          </a:p>
-          <a:p>
-            <a:pPr marL="342900" indent="-342900">
-              <a:lnSpc>
-                <a:spcPct val="150000"/>
-              </a:lnSpc>
-              <a:buAutoNum type="arabicParenR"/>
-            </a:pPr>
-            <a:r>
-              <a:rPr lang="ko-KR" altLang="en-US" sz="2000" dirty="0"/>
-              <a:t>심박수 위기 정보</a:t>
-            </a:r>
           </a:p>
         </p:txBody>
       </p:sp>
